--- a/Sunular/MÖT-Hafta-7 - Ensemble Learning.pptx
+++ b/Sunular/MÖT-Hafta-7 - Ensemble Learning.pptx
@@ -841,7 +841,7 @@
             <a:fld id="{B61BEF0D-F0BB-DE4B-95CE-6DB70DBA9567}" type="datetimeFigureOut">
               <a:rPr lang="en-US" smtClean="0"/>
               <a:pPr/>
-              <a:t>10/16/2022</a:t>
+              <a:t>11/29/2023</a:t>
             </a:fld>
             <a:endParaRPr lang="en-US" dirty="0"/>
           </a:p>
@@ -1022,7 +1022,7 @@
             <a:fld id="{B61BEF0D-F0BB-DE4B-95CE-6DB70DBA9567}" type="datetimeFigureOut">
               <a:rPr lang="en-US" smtClean="0"/>
               <a:pPr/>
-              <a:t>10/16/2022</a:t>
+              <a:t>11/29/2023</a:t>
             </a:fld>
             <a:endParaRPr lang="en-US" dirty="0"/>
           </a:p>
@@ -1213,7 +1213,7 @@
             <a:fld id="{B61BEF0D-F0BB-DE4B-95CE-6DB70DBA9567}" type="datetimeFigureOut">
               <a:rPr lang="en-US" smtClean="0"/>
               <a:pPr/>
-              <a:t>10/16/2022</a:t>
+              <a:t>11/29/2023</a:t>
             </a:fld>
             <a:endParaRPr lang="en-US" dirty="0"/>
           </a:p>
@@ -1394,7 +1394,7 @@
             <a:fld id="{B61BEF0D-F0BB-DE4B-95CE-6DB70DBA9567}" type="datetimeFigureOut">
               <a:rPr lang="en-US" smtClean="0"/>
               <a:pPr/>
-              <a:t>10/16/2022</a:t>
+              <a:t>11/29/2023</a:t>
             </a:fld>
             <a:endParaRPr lang="en-US" dirty="0"/>
           </a:p>
@@ -1651,7 +1651,7 @@
             <a:fld id="{B61BEF0D-F0BB-DE4B-95CE-6DB70DBA9567}" type="datetimeFigureOut">
               <a:rPr lang="en-US" smtClean="0"/>
               <a:pPr/>
-              <a:t>10/16/2022</a:t>
+              <a:t>11/29/2023</a:t>
             </a:fld>
             <a:endParaRPr lang="en-US" dirty="0"/>
           </a:p>
@@ -1894,7 +1894,7 @@
             <a:fld id="{B61BEF0D-F0BB-DE4B-95CE-6DB70DBA9567}" type="datetimeFigureOut">
               <a:rPr lang="en-US" smtClean="0"/>
               <a:pPr/>
-              <a:t>10/16/2022</a:t>
+              <a:t>11/29/2023</a:t>
             </a:fld>
             <a:endParaRPr lang="en-US" dirty="0"/>
           </a:p>
@@ -2272,7 +2272,7 @@
             <a:fld id="{B61BEF0D-F0BB-DE4B-95CE-6DB70DBA9567}" type="datetimeFigureOut">
               <a:rPr lang="en-US" smtClean="0"/>
               <a:pPr/>
-              <a:t>10/16/2022</a:t>
+              <a:t>11/29/2023</a:t>
             </a:fld>
             <a:endParaRPr lang="en-US" dirty="0"/>
           </a:p>
@@ -2401,7 +2401,7 @@
             <a:fld id="{B61BEF0D-F0BB-DE4B-95CE-6DB70DBA9567}" type="datetimeFigureOut">
               <a:rPr lang="en-US" smtClean="0"/>
               <a:pPr/>
-              <a:t>10/16/2022</a:t>
+              <a:t>11/29/2023</a:t>
             </a:fld>
             <a:endParaRPr lang="en-US" dirty="0"/>
           </a:p>
@@ -2507,7 +2507,7 @@
             <a:fld id="{B61BEF0D-F0BB-DE4B-95CE-6DB70DBA9567}" type="datetimeFigureOut">
               <a:rPr lang="en-US" smtClean="0"/>
               <a:pPr/>
-              <a:t>10/16/2022</a:t>
+              <a:t>11/29/2023</a:t>
             </a:fld>
             <a:endParaRPr lang="en-US" dirty="0"/>
           </a:p>
@@ -2795,7 +2795,7 @@
             <a:fld id="{B61BEF0D-F0BB-DE4B-95CE-6DB70DBA9567}" type="datetimeFigureOut">
               <a:rPr lang="en-US" smtClean="0"/>
               <a:pPr/>
-              <a:t>10/16/2022</a:t>
+              <a:t>11/29/2023</a:t>
             </a:fld>
             <a:endParaRPr lang="en-US" dirty="0"/>
           </a:p>
@@ -3063,7 +3063,7 @@
             <a:fld id="{B61BEF0D-F0BB-DE4B-95CE-6DB70DBA9567}" type="datetimeFigureOut">
               <a:rPr lang="en-US" smtClean="0"/>
               <a:pPr/>
-              <a:t>10/16/2022</a:t>
+              <a:t>11/29/2023</a:t>
             </a:fld>
             <a:endParaRPr lang="en-US" dirty="0"/>
           </a:p>
@@ -3287,7 +3287,7 @@
             <a:fld id="{B61BEF0D-F0BB-DE4B-95CE-6DB70DBA9567}" type="datetimeFigureOut">
               <a:rPr lang="en-US" smtClean="0"/>
               <a:pPr/>
-              <a:t>10/16/2022</a:t>
+              <a:t>11/29/2023</a:t>
             </a:fld>
             <a:endParaRPr lang="en-US" dirty="0"/>
           </a:p>
@@ -3770,6 +3770,10 @@
             <a:br>
               <a:rPr lang="tr-TR" sz="3600" dirty="0"/>
             </a:br>
+            <a:r>
+              <a:rPr lang="tr-TR" sz="3600" dirty="0"/>
+              <a:t/>
+            </a:r>
             <a:br>
               <a:rPr lang="tr-TR" sz="3600" dirty="0"/>
             </a:br>
@@ -3784,6 +3788,10 @@
             <a:br>
               <a:rPr lang="tr-TR" sz="3600" dirty="0"/>
             </a:br>
+            <a:r>
+              <a:rPr lang="tr-TR" sz="3600" dirty="0"/>
+              <a:t/>
+            </a:r>
             <a:br>
               <a:rPr lang="tr-TR" sz="3600" dirty="0"/>
             </a:br>
@@ -3832,7 +3840,7 @@
                 <a16:creationId xmlns:a16="http://schemas.microsoft.com/office/drawing/2014/main" id="{D12DDE76-C203-4047-9998-63900085B5E8}"/>
               </a:ext>
               <a:ext uri="{C183D7F6-B498-43B3-948B-1728B52AA6E4}">
-                <adec:decorative xmlns:adec="http://schemas.microsoft.com/office/drawing/2017/decorative" val="1"/>
+                <adec:decorative xmlns:adec="http://schemas.microsoft.com/office/drawing/2017/decorative" xmlns="" val="1"/>
               </a:ext>
             </a:extLst>
           </p:cNvPr>
@@ -4048,6 +4056,13 @@
   <p:clrMapOvr>
     <a:masterClrMapping/>
   </p:clrMapOvr>
+  <p:timing>
+    <p:tnLst>
+      <p:par>
+        <p:cTn id="1" dur="indefinite" restart="never" nodeType="tmRoot"/>
+      </p:par>
+    </p:tnLst>
+  </p:timing>
 </p:sld>
 </file>
 
@@ -4416,6 +4431,13 @@
   <p:clrMapOvr>
     <a:masterClrMapping/>
   </p:clrMapOvr>
+  <p:timing>
+    <p:tnLst>
+      <p:par>
+        <p:cTn id="1" dur="indefinite" restart="never" nodeType="tmRoot"/>
+      </p:par>
+    </p:tnLst>
+  </p:timing>
 </p:sld>
 </file>
 
@@ -4579,6 +4601,13 @@
   <p:clrMapOvr>
     <a:masterClrMapping/>
   </p:clrMapOvr>
+  <p:timing>
+    <p:tnLst>
+      <p:par>
+        <p:cTn id="1" dur="indefinite" restart="never" nodeType="tmRoot"/>
+      </p:par>
+    </p:tnLst>
+  </p:timing>
 </p:sld>
 </file>
 
@@ -4753,6 +4782,13 @@
   <p:clrMapOvr>
     <a:masterClrMapping/>
   </p:clrMapOvr>
+  <p:timing>
+    <p:tnLst>
+      <p:par>
+        <p:cTn id="1" dur="indefinite" restart="never" nodeType="tmRoot"/>
+      </p:par>
+    </p:tnLst>
+  </p:timing>
 </p:sld>
 </file>
 
@@ -4933,6 +4969,13 @@
   <p:clrMapOvr>
     <a:masterClrMapping/>
   </p:clrMapOvr>
+  <p:timing>
+    <p:tnLst>
+      <p:par>
+        <p:cTn id="1" dur="indefinite" restart="never" nodeType="tmRoot"/>
+      </p:par>
+    </p:tnLst>
+  </p:timing>
 </p:sld>
 </file>
 
@@ -4953,6 +4996,30 @@
           <a:chExt cx="0" cy="0"/>
         </a:xfrm>
       </p:grpSpPr>
+      <p:pic>
+        <p:nvPicPr>
+          <p:cNvPr id="2" name="Resim 1"/>
+          <p:cNvPicPr>
+            <a:picLocks noChangeAspect="1"/>
+          </p:cNvPicPr>
+          <p:nvPr/>
+        </p:nvPicPr>
+        <p:blipFill>
+          <a:blip r:embed="rId2"/>
+          <a:stretch>
+            <a:fillRect/>
+          </a:stretch>
+        </p:blipFill>
+        <p:spPr>
+          <a:xfrm>
+            <a:off x="337374" y="493075"/>
+            <a:ext cx="6881456" cy="4313294"/>
+          </a:xfrm>
+          <a:prstGeom prst="rect">
+            <a:avLst/>
+          </a:prstGeom>
+        </p:spPr>
+      </p:pic>
       <p:sp>
         <p:nvSpPr>
           <p:cNvPr id="7" name="Unvan 2"/>
@@ -5057,36 +5124,6 @@
           </a:p>
         </p:txBody>
       </p:sp>
-      <p:pic>
-        <p:nvPicPr>
-          <p:cNvPr id="3" name="Resim 2">
-            <a:extLst>
-              <a:ext uri="{FF2B5EF4-FFF2-40B4-BE49-F238E27FC236}">
-                <a16:creationId xmlns:a16="http://schemas.microsoft.com/office/drawing/2014/main" id="{BDE843D3-500E-AA3D-711D-7D102B005473}"/>
-              </a:ext>
-            </a:extLst>
-          </p:cNvPr>
-          <p:cNvPicPr>
-            <a:picLocks noChangeAspect="1"/>
-          </p:cNvPicPr>
-          <p:nvPr/>
-        </p:nvPicPr>
-        <p:blipFill>
-          <a:blip r:embed="rId2"/>
-          <a:stretch>
-            <a:fillRect/>
-          </a:stretch>
-        </p:blipFill>
-        <p:spPr>
-          <a:xfrm>
-            <a:off x="242455" y="712763"/>
-            <a:ext cx="6441498" cy="4104000"/>
-          </a:xfrm>
-          <a:prstGeom prst="rect">
-            <a:avLst/>
-          </a:prstGeom>
-        </p:spPr>
-      </p:pic>
       <p:sp>
         <p:nvSpPr>
           <p:cNvPr id="4" name="Metin kutusu 3">
@@ -5101,7 +5138,7 @@
         </p:nvSpPr>
         <p:spPr>
           <a:xfrm>
-            <a:off x="4252138" y="3584624"/>
+            <a:off x="4322087" y="3852262"/>
             <a:ext cx="4821913" cy="954107"/>
           </a:xfrm>
           <a:prstGeom prst="rect">
@@ -5272,6 +5309,13 @@
   <p:clrMapOvr>
     <a:masterClrMapping/>
   </p:clrMapOvr>
+  <p:timing>
+    <p:tnLst>
+      <p:par>
+        <p:cTn id="1" dur="indefinite" restart="never" nodeType="tmRoot"/>
+      </p:par>
+    </p:tnLst>
+  </p:timing>
 </p:sld>
 </file>
 
@@ -5292,6 +5336,30 @@
           <a:chExt cx="0" cy="0"/>
         </a:xfrm>
       </p:grpSpPr>
+      <p:pic>
+        <p:nvPicPr>
+          <p:cNvPr id="2" name="Resim 1"/>
+          <p:cNvPicPr>
+            <a:picLocks noChangeAspect="1"/>
+          </p:cNvPicPr>
+          <p:nvPr/>
+        </p:nvPicPr>
+        <p:blipFill>
+          <a:blip r:embed="rId2"/>
+          <a:stretch>
+            <a:fillRect/>
+          </a:stretch>
+        </p:blipFill>
+        <p:spPr>
+          <a:xfrm>
+            <a:off x="162723" y="968348"/>
+            <a:ext cx="6006649" cy="2484000"/>
+          </a:xfrm>
+          <a:prstGeom prst="rect">
+            <a:avLst/>
+          </a:prstGeom>
+        </p:spPr>
+      </p:pic>
       <p:sp>
         <p:nvSpPr>
           <p:cNvPr id="7" name="Unvan 2"/>
@@ -5398,36 +5466,6 @@
       </p:sp>
       <p:pic>
         <p:nvPicPr>
-          <p:cNvPr id="4" name="Resim 3">
-            <a:extLst>
-              <a:ext uri="{FF2B5EF4-FFF2-40B4-BE49-F238E27FC236}">
-                <a16:creationId xmlns:a16="http://schemas.microsoft.com/office/drawing/2014/main" id="{B1BD2A86-F409-D098-6DC0-7906B95A5175}"/>
-              </a:ext>
-            </a:extLst>
-          </p:cNvPr>
-          <p:cNvPicPr>
-            <a:picLocks noChangeAspect="1"/>
-          </p:cNvPicPr>
-          <p:nvPr/>
-        </p:nvPicPr>
-        <p:blipFill>
-          <a:blip r:embed="rId2"/>
-          <a:stretch>
-            <a:fillRect/>
-          </a:stretch>
-        </p:blipFill>
-        <p:spPr>
-          <a:xfrm>
-            <a:off x="242455" y="717750"/>
-            <a:ext cx="5829106" cy="3708000"/>
-          </a:xfrm>
-          <a:prstGeom prst="rect">
-            <a:avLst/>
-          </a:prstGeom>
-        </p:spPr>
-      </p:pic>
-      <p:pic>
-        <p:nvPicPr>
           <p:cNvPr id="6" name="Resim 5">
             <a:extLst>
               <a:ext uri="{FF2B5EF4-FFF2-40B4-BE49-F238E27FC236}">
@@ -5448,7 +5486,7 @@
         </p:blipFill>
         <p:spPr>
           <a:xfrm>
-            <a:off x="6008306" y="717750"/>
+            <a:off x="6078255" y="717750"/>
             <a:ext cx="3065745" cy="3276000"/>
           </a:xfrm>
           <a:prstGeom prst="rect">
@@ -5466,6 +5504,13 @@
   <p:clrMapOvr>
     <a:masterClrMapping/>
   </p:clrMapOvr>
+  <p:timing>
+    <p:tnLst>
+      <p:par>
+        <p:cTn id="1" dur="indefinite" restart="never" nodeType="tmRoot"/>
+      </p:par>
+    </p:tnLst>
+  </p:timing>
 </p:sld>
 </file>
 
@@ -5692,18 +5737,11 @@
               <a:t>learner</a:t>
             </a:r>
             <a:r>
-              <a:rPr lang="tr-TR" dirty="0">
-                <a:latin typeface="Times New Roman" panose="02020603050405020304" pitchFamily="18" charset="0"/>
-                <a:cs typeface="Times New Roman" panose="02020603050405020304" pitchFamily="18" charset="0"/>
-              </a:rPr>
-              <a:t>) </a:t>
-            </a:r>
-            <a:r>
-              <a:rPr lang="tr-TR" dirty="0" err="1">
-                <a:latin typeface="Times New Roman" panose="02020603050405020304" pitchFamily="18" charset="0"/>
-                <a:cs typeface="Times New Roman" panose="02020603050405020304" pitchFamily="18" charset="0"/>
-              </a:rPr>
-              <a:t>herbiri</a:t>
+              <a:rPr lang="tr-TR">
+                <a:latin typeface="Times New Roman" panose="02020603050405020304" pitchFamily="18" charset="0"/>
+                <a:cs typeface="Times New Roman" panose="02020603050405020304" pitchFamily="18" charset="0"/>
+              </a:rPr>
+              <a:t>) her biri</a:t>
             </a:r>
             <a:r>
               <a:rPr lang="tr-TR" dirty="0">
@@ -5817,6 +5855,13 @@
   <p:clrMapOvr>
     <a:masterClrMapping/>
   </p:clrMapOvr>
+  <p:timing>
+    <p:tnLst>
+      <p:par>
+        <p:cTn id="1" dur="indefinite" restart="never" nodeType="tmRoot"/>
+      </p:par>
+    </p:tnLst>
+  </p:timing>
 </p:sld>
 </file>
 
@@ -6037,6 +6082,13 @@
   <p:clrMapOvr>
     <a:masterClrMapping/>
   </p:clrMapOvr>
+  <p:timing>
+    <p:tnLst>
+      <p:par>
+        <p:cTn id="1" dur="indefinite" restart="never" nodeType="tmRoot"/>
+      </p:par>
+    </p:tnLst>
+  </p:timing>
 </p:sld>
 </file>
 
@@ -6604,6 +6656,13 @@
   <p:clrMapOvr>
     <a:masterClrMapping/>
   </p:clrMapOvr>
+  <p:timing>
+    <p:tnLst>
+      <p:par>
+        <p:cTn id="1" dur="indefinite" restart="never" nodeType="tmRoot"/>
+      </p:par>
+    </p:tnLst>
+  </p:timing>
 </p:sld>
 </file>
 
@@ -9012,6 +9071,13 @@
   <p:clrMapOvr>
     <a:masterClrMapping/>
   </p:clrMapOvr>
+  <p:timing>
+    <p:tnLst>
+      <p:par>
+        <p:cTn id="1" dur="indefinite" restart="never" nodeType="tmRoot"/>
+      </p:par>
+    </p:tnLst>
+  </p:timing>
 </p:sld>
 </file>
 
@@ -9215,6 +9281,13 @@
   <p:clrMapOvr>
     <a:masterClrMapping/>
   </p:clrMapOvr>
+  <p:timing>
+    <p:tnLst>
+      <p:par>
+        <p:cTn id="1" dur="indefinite" restart="never" nodeType="tmRoot"/>
+      </p:par>
+    </p:tnLst>
+  </p:timing>
 </p:sld>
 </file>
 
@@ -9618,6 +9691,13 @@
   <p:clrMapOvr>
     <a:masterClrMapping/>
   </p:clrMapOvr>
+  <p:timing>
+    <p:tnLst>
+      <p:par>
+        <p:cTn id="1" dur="indefinite" restart="never" nodeType="tmRoot"/>
+      </p:par>
+    </p:tnLst>
+  </p:timing>
 </p:sld>
 </file>
 
@@ -9786,6 +9866,13 @@
   <p:clrMapOvr>
     <a:masterClrMapping/>
   </p:clrMapOvr>
+  <p:timing>
+    <p:tnLst>
+      <p:par>
+        <p:cTn id="1" dur="indefinite" restart="never" nodeType="tmRoot"/>
+      </p:par>
+    </p:tnLst>
+  </p:timing>
 </p:sld>
 </file>
 
@@ -10352,6 +10439,13 @@
   <p:clrMapOvr>
     <a:masterClrMapping/>
   </p:clrMapOvr>
+  <p:timing>
+    <p:tnLst>
+      <p:par>
+        <p:cTn id="1" dur="indefinite" restart="never" nodeType="tmRoot"/>
+      </p:par>
+    </p:tnLst>
+  </p:timing>
 </p:sld>
 </file>
 
@@ -10804,6 +10898,13 @@
   <p:clrMapOvr>
     <a:masterClrMapping/>
   </p:clrMapOvr>
+  <p:timing>
+    <p:tnLst>
+      <p:par>
+        <p:cTn id="1" dur="indefinite" restart="never" nodeType="tmRoot"/>
+      </p:par>
+    </p:tnLst>
+  </p:timing>
 </p:sld>
 </file>
 
@@ -10840,7 +10941,7 @@
                 <a16:creationId xmlns:a16="http://schemas.microsoft.com/office/drawing/2014/main" id="{D12DDE76-C203-4047-9998-63900085B5E8}"/>
               </a:ext>
               <a:ext uri="{C183D7F6-B498-43B3-948B-1728B52AA6E4}">
-                <adec:decorative xmlns:adec="http://schemas.microsoft.com/office/drawing/2017/decorative" val="1"/>
+                <adec:decorative xmlns:adec="http://schemas.microsoft.com/office/drawing/2017/decorative" xmlns="" val="1"/>
               </a:ext>
             </a:extLst>
           </p:cNvPr>
@@ -11026,6 +11127,13 @@
   <p:clrMapOvr>
     <a:masterClrMapping/>
   </p:clrMapOvr>
+  <p:timing>
+    <p:tnLst>
+      <p:par>
+        <p:cTn id="1" dur="indefinite" restart="never" nodeType="tmRoot"/>
+      </p:par>
+    </p:tnLst>
+  </p:timing>
 </p:sld>
 </file>
 

--- a/Sunular/MÖT-Hafta-7 - Ensemble Learning.pptx
+++ b/Sunular/MÖT-Hafta-7 - Ensemble Learning.pptx
@@ -5,7 +5,7 @@
     <p:sldMasterId id="2147483718" r:id="rId1"/>
   </p:sldMasterIdLst>
   <p:notesMasterIdLst>
-    <p:notesMasterId r:id="rId28"/>
+    <p:notesMasterId r:id="rId29"/>
   </p:notesMasterIdLst>
   <p:sldIdLst>
     <p:sldId id="256" r:id="rId2"/>
@@ -30,24 +30,25 @@
     <p:sldId id="362" r:id="rId21"/>
     <p:sldId id="347" r:id="rId22"/>
     <p:sldId id="363" r:id="rId23"/>
-    <p:sldId id="361" r:id="rId24"/>
-    <p:sldId id="365" r:id="rId25"/>
-    <p:sldId id="364" r:id="rId26"/>
-    <p:sldId id="345" r:id="rId27"/>
+    <p:sldId id="366" r:id="rId24"/>
+    <p:sldId id="361" r:id="rId25"/>
+    <p:sldId id="365" r:id="rId26"/>
+    <p:sldId id="364" r:id="rId27"/>
+    <p:sldId id="345" r:id="rId28"/>
   </p:sldIdLst>
   <p:sldSz cx="9144000" cy="5143500" type="screen16x9"/>
   <p:notesSz cx="6858000" cy="9144000"/>
   <p:embeddedFontLst>
     <p:embeddedFont>
       <p:font typeface="Arial Black" panose="020B0A04020102020204" pitchFamily="34" charset="0"/>
-      <p:bold r:id="rId29"/>
+      <p:bold r:id="rId30"/>
     </p:embeddedFont>
     <p:embeddedFont>
       <p:font typeface="Calibri" panose="020F0502020204030204" pitchFamily="34" charset="0"/>
-      <p:regular r:id="rId30"/>
-      <p:bold r:id="rId31"/>
-      <p:italic r:id="rId32"/>
-      <p:boldItalic r:id="rId33"/>
+      <p:regular r:id="rId31"/>
+      <p:bold r:id="rId32"/>
+      <p:italic r:id="rId33"/>
+      <p:boldItalic r:id="rId34"/>
     </p:embeddedFont>
   </p:embeddedFontLst>
   <p:defaultTextStyle>
@@ -841,7 +842,7 @@
             <a:fld id="{B61BEF0D-F0BB-DE4B-95CE-6DB70DBA9567}" type="datetimeFigureOut">
               <a:rPr lang="en-US" smtClean="0"/>
               <a:pPr/>
-              <a:t>11/29/2023</a:t>
+              <a:t>12/5/2023</a:t>
             </a:fld>
             <a:endParaRPr lang="en-US" dirty="0"/>
           </a:p>
@@ -1022,7 +1023,7 @@
             <a:fld id="{B61BEF0D-F0BB-DE4B-95CE-6DB70DBA9567}" type="datetimeFigureOut">
               <a:rPr lang="en-US" smtClean="0"/>
               <a:pPr/>
-              <a:t>11/29/2023</a:t>
+              <a:t>12/5/2023</a:t>
             </a:fld>
             <a:endParaRPr lang="en-US" dirty="0"/>
           </a:p>
@@ -1213,7 +1214,7 @@
             <a:fld id="{B61BEF0D-F0BB-DE4B-95CE-6DB70DBA9567}" type="datetimeFigureOut">
               <a:rPr lang="en-US" smtClean="0"/>
               <a:pPr/>
-              <a:t>11/29/2023</a:t>
+              <a:t>12/5/2023</a:t>
             </a:fld>
             <a:endParaRPr lang="en-US" dirty="0"/>
           </a:p>
@@ -1394,7 +1395,7 @@
             <a:fld id="{B61BEF0D-F0BB-DE4B-95CE-6DB70DBA9567}" type="datetimeFigureOut">
               <a:rPr lang="en-US" smtClean="0"/>
               <a:pPr/>
-              <a:t>11/29/2023</a:t>
+              <a:t>12/5/2023</a:t>
             </a:fld>
             <a:endParaRPr lang="en-US" dirty="0"/>
           </a:p>
@@ -1651,7 +1652,7 @@
             <a:fld id="{B61BEF0D-F0BB-DE4B-95CE-6DB70DBA9567}" type="datetimeFigureOut">
               <a:rPr lang="en-US" smtClean="0"/>
               <a:pPr/>
-              <a:t>11/29/2023</a:t>
+              <a:t>12/5/2023</a:t>
             </a:fld>
             <a:endParaRPr lang="en-US" dirty="0"/>
           </a:p>
@@ -1894,7 +1895,7 @@
             <a:fld id="{B61BEF0D-F0BB-DE4B-95CE-6DB70DBA9567}" type="datetimeFigureOut">
               <a:rPr lang="en-US" smtClean="0"/>
               <a:pPr/>
-              <a:t>11/29/2023</a:t>
+              <a:t>12/5/2023</a:t>
             </a:fld>
             <a:endParaRPr lang="en-US" dirty="0"/>
           </a:p>
@@ -2272,7 +2273,7 @@
             <a:fld id="{B61BEF0D-F0BB-DE4B-95CE-6DB70DBA9567}" type="datetimeFigureOut">
               <a:rPr lang="en-US" smtClean="0"/>
               <a:pPr/>
-              <a:t>11/29/2023</a:t>
+              <a:t>12/5/2023</a:t>
             </a:fld>
             <a:endParaRPr lang="en-US" dirty="0"/>
           </a:p>
@@ -2401,7 +2402,7 @@
             <a:fld id="{B61BEF0D-F0BB-DE4B-95CE-6DB70DBA9567}" type="datetimeFigureOut">
               <a:rPr lang="en-US" smtClean="0"/>
               <a:pPr/>
-              <a:t>11/29/2023</a:t>
+              <a:t>12/5/2023</a:t>
             </a:fld>
             <a:endParaRPr lang="en-US" dirty="0"/>
           </a:p>
@@ -2507,7 +2508,7 @@
             <a:fld id="{B61BEF0D-F0BB-DE4B-95CE-6DB70DBA9567}" type="datetimeFigureOut">
               <a:rPr lang="en-US" smtClean="0"/>
               <a:pPr/>
-              <a:t>11/29/2023</a:t>
+              <a:t>12/5/2023</a:t>
             </a:fld>
             <a:endParaRPr lang="en-US" dirty="0"/>
           </a:p>
@@ -2795,7 +2796,7 @@
             <a:fld id="{B61BEF0D-F0BB-DE4B-95CE-6DB70DBA9567}" type="datetimeFigureOut">
               <a:rPr lang="en-US" smtClean="0"/>
               <a:pPr/>
-              <a:t>11/29/2023</a:t>
+              <a:t>12/5/2023</a:t>
             </a:fld>
             <a:endParaRPr lang="en-US" dirty="0"/>
           </a:p>
@@ -3063,7 +3064,7 @@
             <a:fld id="{B61BEF0D-F0BB-DE4B-95CE-6DB70DBA9567}" type="datetimeFigureOut">
               <a:rPr lang="en-US" smtClean="0"/>
               <a:pPr/>
-              <a:t>11/29/2023</a:t>
+              <a:t>12/5/2023</a:t>
             </a:fld>
             <a:endParaRPr lang="en-US" dirty="0"/>
           </a:p>
@@ -3287,7 +3288,7 @@
             <a:fld id="{B61BEF0D-F0BB-DE4B-95CE-6DB70DBA9567}" type="datetimeFigureOut">
               <a:rPr lang="en-US" smtClean="0"/>
               <a:pPr/>
-              <a:t>11/29/2023</a:t>
+              <a:t>12/5/2023</a:t>
             </a:fld>
             <a:endParaRPr lang="en-US" dirty="0"/>
           </a:p>
@@ -3840,7 +3841,7 @@
                 <a16:creationId xmlns:a16="http://schemas.microsoft.com/office/drawing/2014/main" id="{D12DDE76-C203-4047-9998-63900085B5E8}"/>
               </a:ext>
               <a:ext uri="{C183D7F6-B498-43B3-948B-1728B52AA6E4}">
-                <adec:decorative xmlns:adec="http://schemas.microsoft.com/office/drawing/2017/decorative" xmlns="" val="1"/>
+                <adec:decorative xmlns="" xmlns:adec="http://schemas.microsoft.com/office/drawing/2017/decorative" val="1"/>
               </a:ext>
             </a:extLst>
           </p:cNvPr>
@@ -7053,7 +7054,7 @@
         <p:spPr>
           <a:xfrm>
             <a:off x="182880" y="604726"/>
-            <a:ext cx="8486584" cy="3477875"/>
+            <a:ext cx="8486584" cy="4308872"/>
           </a:xfrm>
           <a:prstGeom prst="rect">
             <a:avLst/>
@@ -7073,32 +7074,28 @@
               <a:buChar char="•"/>
             </a:pPr>
             <a:r>
-              <a:rPr lang="tr-TR" dirty="0" err="1">
-                <a:latin typeface="Times New Roman" panose="02020603050405020304" pitchFamily="18" charset="0"/>
-                <a:cs typeface="Times New Roman" panose="02020603050405020304" pitchFamily="18" charset="0"/>
-              </a:rPr>
-              <a:t>Bagging</a:t>
-            </a:r>
-            <a:r>
               <a:rPr lang="tr-TR" dirty="0">
                 <a:latin typeface="Times New Roman" panose="02020603050405020304" pitchFamily="18" charset="0"/>
                 <a:cs typeface="Times New Roman" panose="02020603050405020304" pitchFamily="18" charset="0"/>
               </a:rPr>
-              <a:t> yönteminin farklı bir versiyonudur. Fark; öğrenme sonuçlarının </a:t>
-            </a:r>
-            <a:r>
-              <a:rPr lang="tr-TR" dirty="0" err="1">
-                <a:latin typeface="Times New Roman" panose="02020603050405020304" pitchFamily="18" charset="0"/>
-                <a:cs typeface="Times New Roman" panose="02020603050405020304" pitchFamily="18" charset="0"/>
-              </a:rPr>
-              <a:t>mütekip</a:t>
+              <a:t>Bu yöntem, önceki öğrenicilerin hatalarını düzeltmeye odaklanır. </a:t>
             </a:r>
             <a:r>
               <a:rPr lang="tr-TR" dirty="0">
-                <a:latin typeface="Times New Roman" panose="02020603050405020304" pitchFamily="18" charset="0"/>
-                <a:cs typeface="Times New Roman" panose="02020603050405020304" pitchFamily="18" charset="0"/>
-              </a:rPr>
-              <a:t> öğrenici için kullanılıyor olmasıdır. </a:t>
+                <a:solidFill>
+                  <a:srgbClr val="FFFF00"/>
+                </a:solidFill>
+                <a:latin typeface="Times New Roman" panose="02020603050405020304" pitchFamily="18" charset="0"/>
+                <a:cs typeface="Times New Roman" panose="02020603050405020304" pitchFamily="18" charset="0"/>
+              </a:rPr>
+              <a:t>Yeni öğreniciler, önceki öğrenicilerin yanlış sınıflandırdığı örnekleri daha fazla vurgulayarak eğitilir</a:t>
+            </a:r>
+            <a:r>
+              <a:rPr lang="tr-TR" dirty="0">
+                <a:latin typeface="Times New Roman" panose="02020603050405020304" pitchFamily="18" charset="0"/>
+                <a:cs typeface="Times New Roman" panose="02020603050405020304" pitchFamily="18" charset="0"/>
+              </a:rPr>
+              <a:t>. Bu şekilde, zayıf tahmin yapan modellerin gücü artırılarak daha güçlü bir model elde edilir.</a:t>
             </a:r>
           </a:p>
           <a:p>
@@ -7110,11 +7107,39 @@
               <a:buChar char="•"/>
             </a:pPr>
             <a:r>
+              <a:rPr lang="tr-TR" dirty="0" err="1" smtClean="0">
+                <a:latin typeface="Times New Roman" panose="02020603050405020304" pitchFamily="18" charset="0"/>
+                <a:cs typeface="Times New Roman" panose="02020603050405020304" pitchFamily="18" charset="0"/>
+              </a:rPr>
+              <a:t>Bagging</a:t>
+            </a:r>
+            <a:r>
+              <a:rPr lang="tr-TR" dirty="0" smtClean="0">
+                <a:latin typeface="Times New Roman" panose="02020603050405020304" pitchFamily="18" charset="0"/>
+                <a:cs typeface="Times New Roman" panose="02020603050405020304" pitchFamily="18" charset="0"/>
+              </a:rPr>
+              <a:t> </a:t>
+            </a:r>
+            <a:r>
               <a:rPr lang="tr-TR" dirty="0">
                 <a:latin typeface="Times New Roman" panose="02020603050405020304" pitchFamily="18" charset="0"/>
                 <a:cs typeface="Times New Roman" panose="02020603050405020304" pitchFamily="18" charset="0"/>
               </a:rPr>
-              <a:t>Diğer yöntemlere göre daha yaygındır, hızlı çalışır az bellek kullanır. Eğitim için ayrılan veri setinden bir temel öğrenici için rastgele seçim yapılır. </a:t>
+              <a:t>yönteminin farklı bir versiyonudur. Fark; öğrenme sonuçlarının </a:t>
+            </a:r>
+            <a:r>
+              <a:rPr lang="tr-TR" dirty="0" smtClean="0">
+                <a:latin typeface="Times New Roman" panose="02020603050405020304" pitchFamily="18" charset="0"/>
+                <a:cs typeface="Times New Roman" panose="02020603050405020304" pitchFamily="18" charset="0"/>
+              </a:rPr>
+              <a:t>bir sonraki </a:t>
+            </a:r>
+            <a:r>
+              <a:rPr lang="tr-TR" dirty="0">
+                <a:latin typeface="Times New Roman" panose="02020603050405020304" pitchFamily="18" charset="0"/>
+                <a:cs typeface="Times New Roman" panose="02020603050405020304" pitchFamily="18" charset="0"/>
+              </a:rPr>
+              <a:t>öğrenici için kullanılıyor olmasıdır. </a:t>
             </a:r>
           </a:p>
           <a:p>
@@ -7130,7 +7155,7 @@
                 <a:latin typeface="Times New Roman" panose="02020603050405020304" pitchFamily="18" charset="0"/>
                 <a:cs typeface="Times New Roman" panose="02020603050405020304" pitchFamily="18" charset="0"/>
               </a:rPr>
-              <a:t>Öğrenme gerçekleşir, model test edilir. Sonuçlardan yanlış sınıflandırılan örnekler belirlenir. </a:t>
+              <a:t>Diğer yöntemlere göre daha yaygındır, hızlı çalışır az bellek kullanır. Eğitim için ayrılan veri setinden bir temel öğrenici için rastgele seçim yapılır. </a:t>
             </a:r>
           </a:p>
           <a:p>
@@ -7146,7 +7171,7 @@
                 <a:latin typeface="Times New Roman" panose="02020603050405020304" pitchFamily="18" charset="0"/>
                 <a:cs typeface="Times New Roman" panose="02020603050405020304" pitchFamily="18" charset="0"/>
               </a:rPr>
-              <a:t>Bunlar bir sonraki öğrenici için örnek seçiminde önceliklendirilir (seçilme olasılıkları arttırılır). </a:t>
+              <a:t>Öğrenme gerçekleşir, model test edilir. Sonuçlardan yanlış sınıflandırılan örnekler belirlenir. </a:t>
             </a:r>
           </a:p>
           <a:p>
@@ -7162,7 +7187,21 @@
                 <a:latin typeface="Times New Roman" panose="02020603050405020304" pitchFamily="18" charset="0"/>
                 <a:cs typeface="Times New Roman" panose="02020603050405020304" pitchFamily="18" charset="0"/>
               </a:rPr>
-              <a:t>Her seferinde bu bilgi güncellenir. </a:t>
+              <a:t>Bunlar bir sonraki öğrenici için örnek seçiminde önceliklendirilir (seçilme olasılıkları arttırılır). </a:t>
+            </a:r>
+            <a:r>
+              <a:rPr lang="tr-TR" dirty="0" smtClean="0">
+                <a:latin typeface="Times New Roman" panose="02020603050405020304" pitchFamily="18" charset="0"/>
+                <a:cs typeface="Times New Roman" panose="02020603050405020304" pitchFamily="18" charset="0"/>
+              </a:rPr>
+              <a:t>Her </a:t>
+            </a:r>
+            <a:r>
+              <a:rPr lang="tr-TR" dirty="0">
+                <a:latin typeface="Times New Roman" panose="02020603050405020304" pitchFamily="18" charset="0"/>
+                <a:cs typeface="Times New Roman" panose="02020603050405020304" pitchFamily="18" charset="0"/>
+              </a:rPr>
+              <a:t>seferinde bu bilgi güncellenir. </a:t>
             </a:r>
             <a:r>
               <a:rPr lang="tr-TR" dirty="0" err="1">
@@ -7625,51 +7664,135 @@
           </a:p>
         </p:txBody>
       </p:sp>
-      <p:pic>
-        <p:nvPicPr>
-          <p:cNvPr id="12290" name="Picture 2" descr="Image for post"/>
-          <p:cNvPicPr>
-            <a:picLocks noChangeAspect="1" noChangeArrowheads="1"/>
-          </p:cNvPicPr>
+      <p:sp>
+        <p:nvSpPr>
+          <p:cNvPr id="8" name="Dikdörtgen 7"/>
+          <p:cNvSpPr/>
           <p:nvPr/>
-        </p:nvPicPr>
-        <p:blipFill>
-          <a:blip r:embed="rId2">
-            <a:extLst>
-              <a:ext uri="{28A0092B-C50C-407E-A947-70E740481C1C}">
-                <a14:useLocalDpi xmlns:a14="http://schemas.microsoft.com/office/drawing/2010/main" val="0"/>
-              </a:ext>
-            </a:extLst>
-          </a:blip>
-          <a:srcRect/>
-          <a:stretch>
-            <a:fillRect/>
-          </a:stretch>
-        </p:blipFill>
-        <p:spPr bwMode="auto">
-          <a:xfrm>
-            <a:off x="751305" y="831273"/>
-            <a:ext cx="7349733" cy="3174502"/>
+        </p:nvSpPr>
+        <p:spPr>
+          <a:xfrm>
+            <a:off x="182880" y="875049"/>
+            <a:ext cx="8486584" cy="2339102"/>
           </a:xfrm>
           <a:prstGeom prst="rect">
             <a:avLst/>
           </a:prstGeom>
-          <a:noFill/>
-          <a:extLst>
-            <a:ext uri="{909E8E84-426E-40DD-AFC4-6F175D3DCCD1}">
-              <a14:hiddenFill xmlns:a14="http://schemas.microsoft.com/office/drawing/2010/main">
-                <a:solidFill>
-                  <a:srgbClr val="FFFFFF"/>
-                </a:solidFill>
-              </a14:hiddenFill>
-            </a:ext>
-          </a:extLst>
-        </p:spPr>
-      </p:pic>
+        </p:spPr>
+        <p:txBody>
+          <a:bodyPr wrap="square">
+            <a:spAutoFit/>
+          </a:bodyPr>
+          <a:lstStyle/>
+          <a:p>
+            <a:pPr marL="285750" indent="-285750" algn="just">
+              <a:spcAft>
+                <a:spcPts val="1200"/>
+              </a:spcAft>
+              <a:buFont typeface="Arial" panose="020B0604020202020204" pitchFamily="34" charset="0"/>
+              <a:buChar char="•"/>
+            </a:pPr>
+            <a:r>
+              <a:rPr lang="tr-TR" dirty="0" err="1">
+                <a:latin typeface="Times New Roman" panose="02020603050405020304" pitchFamily="18" charset="0"/>
+                <a:cs typeface="Times New Roman" panose="02020603050405020304" pitchFamily="18" charset="0"/>
+              </a:rPr>
+              <a:t>Bagging</a:t>
+            </a:r>
+            <a:r>
+              <a:rPr lang="tr-TR" dirty="0">
+                <a:latin typeface="Times New Roman" panose="02020603050405020304" pitchFamily="18" charset="0"/>
+                <a:cs typeface="Times New Roman" panose="02020603050405020304" pitchFamily="18" charset="0"/>
+              </a:rPr>
+              <a:t>: Genellikle </a:t>
+            </a:r>
+            <a:r>
+              <a:rPr lang="tr-TR" dirty="0" err="1">
+                <a:latin typeface="Times New Roman" panose="02020603050405020304" pitchFamily="18" charset="0"/>
+                <a:cs typeface="Times New Roman" panose="02020603050405020304" pitchFamily="18" charset="0"/>
+              </a:rPr>
+              <a:t>overfitting'e</a:t>
+            </a:r>
+            <a:r>
+              <a:rPr lang="tr-TR" dirty="0">
+                <a:latin typeface="Times New Roman" panose="02020603050405020304" pitchFamily="18" charset="0"/>
+                <a:cs typeface="Times New Roman" panose="02020603050405020304" pitchFamily="18" charset="0"/>
+              </a:rPr>
+              <a:t> karşı daha dirençlidir, çünkü her bir öğrenici farklı alt örneklem üzerinde eğitildiği için genelleme yeteneği artar.</a:t>
+            </a:r>
+          </a:p>
+          <a:p>
+            <a:pPr algn="just">
+              <a:spcAft>
+                <a:spcPts val="1200"/>
+              </a:spcAft>
+            </a:pPr>
+            <a:endParaRPr lang="tr-TR" dirty="0">
+              <a:latin typeface="Times New Roman" panose="02020603050405020304" pitchFamily="18" charset="0"/>
+              <a:cs typeface="Times New Roman" panose="02020603050405020304" pitchFamily="18" charset="0"/>
+            </a:endParaRPr>
+          </a:p>
+          <a:p>
+            <a:pPr marL="285750" indent="-285750" algn="just">
+              <a:spcAft>
+                <a:spcPts val="1200"/>
+              </a:spcAft>
+              <a:buFont typeface="Arial" panose="020B0604020202020204" pitchFamily="34" charset="0"/>
+              <a:buChar char="•"/>
+            </a:pPr>
+            <a:r>
+              <a:rPr lang="tr-TR" dirty="0" err="1">
+                <a:latin typeface="Times New Roman" panose="02020603050405020304" pitchFamily="18" charset="0"/>
+                <a:cs typeface="Times New Roman" panose="02020603050405020304" pitchFamily="18" charset="0"/>
+              </a:rPr>
+              <a:t>Boosting</a:t>
+            </a:r>
+            <a:r>
+              <a:rPr lang="tr-TR" dirty="0">
+                <a:latin typeface="Times New Roman" panose="02020603050405020304" pitchFamily="18" charset="0"/>
+                <a:cs typeface="Times New Roman" panose="02020603050405020304" pitchFamily="18" charset="0"/>
+              </a:rPr>
+              <a:t>: Model, önceki öğrenicilerin hatalarını düzeltmeye çalıştığından, eğitim verilerine aşırı uyum riski daha yüksektir. Bu nedenle, </a:t>
+            </a:r>
+            <a:r>
+              <a:rPr lang="tr-TR" dirty="0" err="1">
+                <a:latin typeface="Times New Roman" panose="02020603050405020304" pitchFamily="18" charset="0"/>
+                <a:cs typeface="Times New Roman" panose="02020603050405020304" pitchFamily="18" charset="0"/>
+              </a:rPr>
+              <a:t>boosting</a:t>
+            </a:r>
+            <a:r>
+              <a:rPr lang="tr-TR" dirty="0">
+                <a:latin typeface="Times New Roman" panose="02020603050405020304" pitchFamily="18" charset="0"/>
+                <a:cs typeface="Times New Roman" panose="02020603050405020304" pitchFamily="18" charset="0"/>
+              </a:rPr>
+              <a:t> yöntemleri, aşırı uyumu kontrol etmek için düzenleme teknikleri veya düşük </a:t>
+            </a:r>
+            <a:r>
+              <a:rPr lang="tr-TR" dirty="0" err="1">
+                <a:latin typeface="Times New Roman" panose="02020603050405020304" pitchFamily="18" charset="0"/>
+                <a:cs typeface="Times New Roman" panose="02020603050405020304" pitchFamily="18" charset="0"/>
+              </a:rPr>
+              <a:t>karmaşıklıklı</a:t>
+            </a:r>
+            <a:r>
+              <a:rPr lang="tr-TR" dirty="0">
+                <a:latin typeface="Times New Roman" panose="02020603050405020304" pitchFamily="18" charset="0"/>
+                <a:cs typeface="Times New Roman" panose="02020603050405020304" pitchFamily="18" charset="0"/>
+              </a:rPr>
+              <a:t> öğreniciler kullanabilir.</a:t>
+            </a:r>
+            <a:endParaRPr lang="tr-TR" dirty="0">
+              <a:latin typeface="Times New Roman" panose="02020603050405020304" pitchFamily="18" charset="0"/>
+              <a:cs typeface="Times New Roman" panose="02020603050405020304" pitchFamily="18" charset="0"/>
+            </a:endParaRPr>
+          </a:p>
+        </p:txBody>
+      </p:sp>
     </p:spTree>
     <p:extLst>
       <p:ext uri="{BB962C8B-B14F-4D97-AF65-F5344CB8AC3E}">
-        <p14:creationId xmlns:p14="http://schemas.microsoft.com/office/powerpoint/2010/main" val="3620803567"/>
+        <p14:creationId xmlns:p14="http://schemas.microsoft.com/office/powerpoint/2010/main" val="2540853068"/>
       </p:ext>
     </p:extLst>
   </p:cSld>
@@ -7728,12 +7851,9 @@
             </a:r>
             <a:r>
               <a:rPr lang="tr-TR" sz="2000" dirty="0" err="1"/>
-              <a:t>Ensemble-Example</a:t>
-            </a:r>
-            <a:r>
-              <a:rPr lang="tr-TR" sz="2000" dirty="0"/>
-              <a:t>-&gt;Boosting.py</a:t>
-            </a:r>
+              <a:t>Ensemble</a:t>
+            </a:r>
+            <a:endParaRPr lang="tr-TR" sz="2000" dirty="0"/>
           </a:p>
         </p:txBody>
       </p:sp>
@@ -7850,38 +7970,49 @@
       </p:sp>
       <p:pic>
         <p:nvPicPr>
-          <p:cNvPr id="5" name="Resim 4">
-            <a:extLst>
-              <a:ext uri="{FF2B5EF4-FFF2-40B4-BE49-F238E27FC236}">
-                <a16:creationId xmlns:a16="http://schemas.microsoft.com/office/drawing/2014/main" id="{9ECF1702-11DC-0CF0-D6F0-19BAA92BB00D}"/>
-              </a:ext>
-            </a:extLst>
-          </p:cNvPr>
+          <p:cNvPr id="12290" name="Picture 2" descr="Image for post"/>
           <p:cNvPicPr>
-            <a:picLocks noChangeAspect="1"/>
+            <a:picLocks noChangeAspect="1" noChangeArrowheads="1"/>
           </p:cNvPicPr>
           <p:nvPr/>
         </p:nvPicPr>
         <p:blipFill>
-          <a:blip r:embed="rId2"/>
+          <a:blip r:embed="rId2">
+            <a:extLst>
+              <a:ext uri="{28A0092B-C50C-407E-A947-70E740481C1C}">
+                <a14:useLocalDpi xmlns:a14="http://schemas.microsoft.com/office/drawing/2010/main" val="0"/>
+              </a:ext>
+            </a:extLst>
+          </a:blip>
+          <a:srcRect/>
           <a:stretch>
             <a:fillRect/>
           </a:stretch>
         </p:blipFill>
-        <p:spPr>
-          <a:xfrm>
-            <a:off x="330810" y="651217"/>
-            <a:ext cx="8201025" cy="4305300"/>
+        <p:spPr bwMode="auto">
+          <a:xfrm>
+            <a:off x="751305" y="831273"/>
+            <a:ext cx="7349733" cy="3174502"/>
           </a:xfrm>
           <a:prstGeom prst="rect">
             <a:avLst/>
           </a:prstGeom>
+          <a:noFill/>
+          <a:extLst>
+            <a:ext uri="{909E8E84-426E-40DD-AFC4-6F175D3DCCD1}">
+              <a14:hiddenFill xmlns:a14="http://schemas.microsoft.com/office/drawing/2010/main">
+                <a:solidFill>
+                  <a:srgbClr val="FFFFFF"/>
+                </a:solidFill>
+              </a14:hiddenFill>
+            </a:ext>
+          </a:extLst>
         </p:spPr>
       </p:pic>
     </p:spTree>
     <p:extLst>
       <p:ext uri="{BB962C8B-B14F-4D97-AF65-F5344CB8AC3E}">
-        <p14:creationId xmlns:p14="http://schemas.microsoft.com/office/powerpoint/2010/main" val="351306241"/>
+        <p14:creationId xmlns:p14="http://schemas.microsoft.com/office/powerpoint/2010/main" val="3620803567"/>
       </p:ext>
     </p:extLst>
   </p:cSld>
@@ -7930,10 +8061,9 @@
           </a:bodyPr>
           <a:lstStyle/>
           <a:p>
-            <a:pPr algn="ctr"/>
             <a:r>
               <a:rPr lang="tr-TR" sz="2000" dirty="0" err="1"/>
-              <a:t>Bagging</a:t>
+              <a:t>Boosting</a:t>
             </a:r>
             <a:r>
               <a:rPr lang="tr-TR" sz="2000" dirty="0"/>
@@ -7941,19 +8071,11 @@
             </a:r>
             <a:r>
               <a:rPr lang="tr-TR" sz="2000" dirty="0" err="1"/>
-              <a:t>and</a:t>
+              <a:t>Ensemble-Example</a:t>
             </a:r>
             <a:r>
               <a:rPr lang="tr-TR" sz="2000" dirty="0"/>
-              <a:t> </a:t>
-            </a:r>
-            <a:r>
-              <a:rPr lang="tr-TR" sz="2000" dirty="0" err="1"/>
-              <a:t>Boosting</a:t>
-            </a:r>
-            <a:r>
-              <a:rPr lang="tr-TR" sz="2000" dirty="0"/>
-              <a:t> Algoritmaları</a:t>
+              <a:t>-&gt;Boosting.py</a:t>
             </a:r>
           </a:p>
         </p:txBody>
@@ -8069,6 +8191,227 @@
           </a:p>
         </p:txBody>
       </p:sp>
+      <p:pic>
+        <p:nvPicPr>
+          <p:cNvPr id="5" name="Resim 4">
+            <a:extLst>
+              <a:ext uri="{FF2B5EF4-FFF2-40B4-BE49-F238E27FC236}">
+                <a16:creationId xmlns:a16="http://schemas.microsoft.com/office/drawing/2014/main" id="{9ECF1702-11DC-0CF0-D6F0-19BAA92BB00D}"/>
+              </a:ext>
+            </a:extLst>
+          </p:cNvPr>
+          <p:cNvPicPr>
+            <a:picLocks noChangeAspect="1"/>
+          </p:cNvPicPr>
+          <p:nvPr/>
+        </p:nvPicPr>
+        <p:blipFill>
+          <a:blip r:embed="rId2"/>
+          <a:stretch>
+            <a:fillRect/>
+          </a:stretch>
+        </p:blipFill>
+        <p:spPr>
+          <a:xfrm>
+            <a:off x="330810" y="651217"/>
+            <a:ext cx="8201025" cy="4305300"/>
+          </a:xfrm>
+          <a:prstGeom prst="rect">
+            <a:avLst/>
+          </a:prstGeom>
+        </p:spPr>
+      </p:pic>
+    </p:spTree>
+    <p:extLst>
+      <p:ext uri="{BB962C8B-B14F-4D97-AF65-F5344CB8AC3E}">
+        <p14:creationId xmlns:p14="http://schemas.microsoft.com/office/powerpoint/2010/main" val="351306241"/>
+      </p:ext>
+    </p:extLst>
+  </p:cSld>
+  <p:clrMapOvr>
+    <a:masterClrMapping/>
+  </p:clrMapOvr>
+</p:sld>
+</file>
+
+<file path=ppt/slides/slide26.xml><?xml version="1.0" encoding="utf-8"?>
+<p:sld xmlns:a="http://schemas.openxmlformats.org/drawingml/2006/main" xmlns:r="http://schemas.openxmlformats.org/officeDocument/2006/relationships" xmlns:p="http://schemas.openxmlformats.org/presentationml/2006/main">
+  <p:cSld>
+    <p:spTree>
+      <p:nvGrpSpPr>
+        <p:cNvPr id="1" name=""/>
+        <p:cNvGrpSpPr/>
+        <p:nvPr/>
+      </p:nvGrpSpPr>
+      <p:grpSpPr>
+        <a:xfrm>
+          <a:off x="0" y="0"/>
+          <a:ext cx="0" cy="0"/>
+          <a:chOff x="0" y="0"/>
+          <a:chExt cx="0" cy="0"/>
+        </a:xfrm>
+      </p:grpSpPr>
+      <p:sp>
+        <p:nvSpPr>
+          <p:cNvPr id="3" name="Unvan 2"/>
+          <p:cNvSpPr>
+            <a:spLocks noGrp="1"/>
+          </p:cNvSpPr>
+          <p:nvPr>
+            <p:ph type="title"/>
+          </p:nvPr>
+        </p:nvSpPr>
+        <p:spPr>
+          <a:xfrm>
+            <a:off x="927579" y="0"/>
+            <a:ext cx="7228130" cy="875049"/>
+          </a:xfrm>
+        </p:spPr>
+        <p:txBody>
+          <a:bodyPr>
+            <a:normAutofit/>
+          </a:bodyPr>
+          <a:lstStyle/>
+          <a:p>
+            <a:pPr algn="ctr"/>
+            <a:r>
+              <a:rPr lang="tr-TR" sz="2000" dirty="0" err="1"/>
+              <a:t>Bagging</a:t>
+            </a:r>
+            <a:r>
+              <a:rPr lang="tr-TR" sz="2000" dirty="0"/>
+              <a:t> </a:t>
+            </a:r>
+            <a:r>
+              <a:rPr lang="tr-TR" sz="2000" dirty="0" err="1"/>
+              <a:t>and</a:t>
+            </a:r>
+            <a:r>
+              <a:rPr lang="tr-TR" sz="2000" dirty="0"/>
+              <a:t> </a:t>
+            </a:r>
+            <a:r>
+              <a:rPr lang="tr-TR" sz="2000" dirty="0" err="1"/>
+              <a:t>Boosting</a:t>
+            </a:r>
+            <a:r>
+              <a:rPr lang="tr-TR" sz="2000" dirty="0"/>
+              <a:t> Algoritmaları</a:t>
+            </a:r>
+          </a:p>
+        </p:txBody>
+      </p:sp>
+      <p:sp>
+        <p:nvSpPr>
+          <p:cNvPr id="7" name="Unvan 2"/>
+          <p:cNvSpPr txBox="1">
+            <a:spLocks/>
+          </p:cNvSpPr>
+          <p:nvPr/>
+        </p:nvSpPr>
+        <p:spPr>
+          <a:xfrm>
+            <a:off x="414961" y="1226127"/>
+            <a:ext cx="8486584" cy="3643746"/>
+          </a:xfrm>
+          <a:prstGeom prst="rect">
+            <a:avLst/>
+          </a:prstGeom>
+        </p:spPr>
+        <p:txBody>
+          <a:bodyPr vert="horz" lIns="91440" tIns="45720" rIns="91440" bIns="45720" rtlCol="0" anchor="t">
+            <a:normAutofit/>
+          </a:bodyPr>
+          <a:lstStyle>
+            <a:lvl1pPr algn="l" defTabSz="685800" rtl="0" eaLnBrk="1" latinLnBrk="0" hangingPunct="1">
+              <a:lnSpc>
+                <a:spcPct val="90000"/>
+              </a:lnSpc>
+              <a:spcBef>
+                <a:spcPct val="0"/>
+              </a:spcBef>
+              <a:buNone/>
+              <a:defRPr sz="3300" kern="1200">
+                <a:solidFill>
+                  <a:schemeClr val="tx1"/>
+                </a:solidFill>
+                <a:latin typeface="+mj-lt"/>
+                <a:ea typeface="+mj-ea"/>
+                <a:cs typeface="+mj-cs"/>
+              </a:defRPr>
+            </a:lvl1pPr>
+          </a:lstStyle>
+          <a:p>
+            <a:endParaRPr lang="tr-TR" sz="1050" dirty="0">
+              <a:latin typeface="Calibri" panose="020F0502020204030204" pitchFamily="34" charset="0"/>
+              <a:cs typeface="Calibri" panose="020F0502020204030204" pitchFamily="34" charset="0"/>
+            </a:endParaRPr>
+          </a:p>
+        </p:txBody>
+      </p:sp>
+      <p:sp>
+        <p:nvSpPr>
+          <p:cNvPr id="2" name="Rectangle 2"/>
+          <p:cNvSpPr>
+            <a:spLocks noChangeArrowheads="1"/>
+          </p:cNvSpPr>
+          <p:nvPr/>
+        </p:nvSpPr>
+        <p:spPr bwMode="auto">
+          <a:xfrm>
+            <a:off x="1677555" y="831273"/>
+            <a:ext cx="9144000" cy="457200"/>
+          </a:xfrm>
+          <a:prstGeom prst="rect">
+            <a:avLst/>
+          </a:prstGeom>
+          <a:noFill/>
+          <a:ln>
+            <a:noFill/>
+          </a:ln>
+          <a:effectLst/>
+          <a:extLst>
+            <a:ext uri="{909E8E84-426E-40DD-AFC4-6F175D3DCCD1}">
+              <a14:hiddenFill xmlns:a14="http://schemas.microsoft.com/office/drawing/2010/main">
+                <a:solidFill>
+                  <a:schemeClr val="accent1"/>
+                </a:solidFill>
+              </a14:hiddenFill>
+            </a:ext>
+            <a:ext uri="{91240B29-F687-4F45-9708-019B960494DF}">
+              <a14:hiddenLine xmlns:a14="http://schemas.microsoft.com/office/drawing/2010/main" w="9525">
+                <a:solidFill>
+                  <a:schemeClr val="tx1"/>
+                </a:solidFill>
+                <a:miter lim="800000"/>
+                <a:headEnd/>
+                <a:tailEnd/>
+              </a14:hiddenLine>
+            </a:ext>
+            <a:ext uri="{AF507438-7753-43E0-B8FC-AC1667EBCBE1}">
+              <a14:hiddenEffects xmlns:a14="http://schemas.microsoft.com/office/drawing/2010/main">
+                <a:effectLst>
+                  <a:outerShdw dist="35921" dir="2700000" algn="ctr" rotWithShape="0">
+                    <a:schemeClr val="bg2"/>
+                  </a:outerShdw>
+                </a:effectLst>
+              </a14:hiddenEffects>
+            </a:ext>
+          </a:extLst>
+        </p:spPr>
+        <p:txBody>
+          <a:bodyPr vert="horz" wrap="none" lIns="91440" tIns="45720" rIns="91440" bIns="45720" numCol="1" anchor="ctr" anchorCtr="0" compatLnSpc="1">
+            <a:prstTxWarp prst="textNoShape">
+              <a:avLst/>
+            </a:prstTxWarp>
+            <a:spAutoFit/>
+          </a:bodyPr>
+          <a:lstStyle/>
+          <a:p>
+            <a:endParaRPr lang="tr-TR"/>
+          </a:p>
+        </p:txBody>
+      </p:sp>
       <p:sp>
         <p:nvSpPr>
           <p:cNvPr id="8" name="Dikdörtgen 7"/>
@@ -8309,7 +8652,7 @@
 </p:sld>
 </file>
 
-<file path=ppt/slides/slide26.xml><?xml version="1.0" encoding="utf-8"?>
+<file path=ppt/slides/slide27.xml><?xml version="1.0" encoding="utf-8"?>
 <p:sld xmlns:a="http://schemas.openxmlformats.org/drawingml/2006/main" xmlns:r="http://schemas.openxmlformats.org/officeDocument/2006/relationships" xmlns:p="http://schemas.openxmlformats.org/presentationml/2006/main">
   <p:cSld>
     <p:spTree>
@@ -10941,7 +11284,7 @@
                 <a16:creationId xmlns:a16="http://schemas.microsoft.com/office/drawing/2014/main" id="{D12DDE76-C203-4047-9998-63900085B5E8}"/>
               </a:ext>
               <a:ext uri="{C183D7F6-B498-43B3-948B-1728B52AA6E4}">
-                <adec:decorative xmlns:adec="http://schemas.microsoft.com/office/drawing/2017/decorative" xmlns="" val="1"/>
+                <adec:decorative xmlns="" xmlns:adec="http://schemas.microsoft.com/office/drawing/2017/decorative" val="1"/>
               </a:ext>
             </a:extLst>
           </p:cNvPr>
